--- a/Documents/Prudent Management Associates.pptx
+++ b/Documents/Prudent Management Associates.pptx
@@ -10,14 +10,16 @@
     <p:sldId id="258" r:id="rId4"/>
     <p:sldId id="273" r:id="rId5"/>
     <p:sldId id="274" r:id="rId6"/>
-    <p:sldId id="260" r:id="rId7"/>
-    <p:sldId id="264" r:id="rId8"/>
-    <p:sldId id="265" r:id="rId9"/>
-    <p:sldId id="267" r:id="rId10"/>
-    <p:sldId id="275" r:id="rId11"/>
-    <p:sldId id="268" r:id="rId12"/>
-    <p:sldId id="269" r:id="rId13"/>
-    <p:sldId id="270" r:id="rId14"/>
+    <p:sldId id="276" r:id="rId7"/>
+    <p:sldId id="260" r:id="rId8"/>
+    <p:sldId id="264" r:id="rId9"/>
+    <p:sldId id="277" r:id="rId10"/>
+    <p:sldId id="265" r:id="rId11"/>
+    <p:sldId id="267" r:id="rId12"/>
+    <p:sldId id="275" r:id="rId13"/>
+    <p:sldId id="268" r:id="rId14"/>
+    <p:sldId id="269" r:id="rId15"/>
+    <p:sldId id="270" r:id="rId16"/>
   </p:sldIdLst>
   <p:sldSz cx="9144000" cy="6858000" type="screen4x3"/>
   <p:notesSz cx="6858000" cy="9144000"/>
@@ -116,6 +118,22 @@
       </a:defRPr>
     </a:lvl9pPr>
   </p:defaultTextStyle>
+  <p:extLst>
+    <p:ext uri="{EFAFB233-063F-42B5-8137-9DF3F51BA10A}">
+      <p15:sldGuideLst xmlns:p15="http://schemas.microsoft.com/office/powerpoint/2012/main">
+        <p15:guide id="1" orient="horz" pos="2160">
+          <p15:clr>
+            <a:srgbClr val="A4A3A4"/>
+          </p15:clr>
+        </p15:guide>
+        <p15:guide id="2" pos="2880">
+          <p15:clr>
+            <a:srgbClr val="A4A3A4"/>
+          </p15:clr>
+        </p15:guide>
+      </p15:sldGuideLst>
+    </p:ext>
+  </p:extLst>
 </p:presentation>
 </file>
 
@@ -5351,62 +5369,52 @@
         <p:spPr/>
         <p:txBody>
           <a:bodyPr>
-            <a:normAutofit fontScale="90000"/>
+            <a:normAutofit/>
           </a:bodyPr>
           <a:lstStyle/>
           <a:p>
-            <a:pPr lvl="0"/>
+            <a:pPr marR="0" rtl="0"/>
+            <a:r>
+              <a:rPr lang="en-US" b="0" i="0" u="none" strike="noStrike" baseline="0" dirty="0" smtClean="0">
+                <a:latin typeface="Calibri"/>
+              </a:rPr>
+              <a:t>What does “export” mean?</a:t>
+            </a:r>
+          </a:p>
+        </p:txBody>
+      </p:sp>
+      <p:sp>
+        <p:nvSpPr>
+          <p:cNvPr id="3" name="Text Placeholder 2"/>
+          <p:cNvSpPr>
+            <a:spLocks noGrp="1"/>
+          </p:cNvSpPr>
+          <p:nvPr>
+            <p:ph type="body" idx="1"/>
+          </p:nvPr>
+        </p:nvSpPr>
+        <p:spPr/>
+        <p:txBody>
+          <a:bodyPr/>
+          <a:lstStyle/>
+          <a:p>
             <a:r>
               <a:rPr lang="en-US" dirty="0" smtClean="0"/>
-              <a:t>How do we add a new client?</a:t>
-            </a:r>
-            <a:endParaRPr lang="en-US" dirty="0"/>
-          </a:p>
-        </p:txBody>
-      </p:sp>
-      <p:sp>
-        <p:nvSpPr>
-          <p:cNvPr id="3" name="Text Placeholder 2"/>
-          <p:cNvSpPr>
-            <a:spLocks noGrp="1"/>
-          </p:cNvSpPr>
-          <p:nvPr>
-            <p:ph type="body" idx="1"/>
-          </p:nvPr>
-        </p:nvSpPr>
-        <p:spPr/>
-        <p:txBody>
-          <a:bodyPr/>
-          <a:lstStyle/>
+              <a:t>This creates a CSV file of the currently displayed account</a:t>
+            </a:r>
+          </a:p>
           <a:p>
             <a:r>
               <a:rPr lang="en-US" dirty="0" smtClean="0"/>
-              <a:t>Using</a:t>
-            </a:r>
-            <a:r>
-              <a:rPr lang="en-US" baseline="0" dirty="0" smtClean="0"/>
-              <a:t> the existing VB system create the username and password</a:t>
-            </a:r>
-          </a:p>
-          <a:p>
-            <a:r>
-              <a:rPr lang="en-US" baseline="0" dirty="0" smtClean="0"/>
-              <a:t>During a batch job that runs each night that data will be imported into the Web Portal system.</a:t>
-            </a:r>
-          </a:p>
-          <a:p>
-            <a:r>
-              <a:rPr lang="en-US" baseline="0" dirty="0" smtClean="0"/>
-              <a:t>Removals happen the same way</a:t>
-            </a:r>
-            <a:endParaRPr lang="en-US" dirty="0"/>
+              <a:t>Can be imported into Excel or Google Docs</a:t>
+            </a:r>
           </a:p>
         </p:txBody>
       </p:sp>
     </p:spTree>
     <p:extLst>
       <p:ext uri="{BB962C8B-B14F-4D97-AF65-F5344CB8AC3E}">
-        <p14:creationId xmlns:p14="http://schemas.microsoft.com/office/powerpoint/2010/main" val="366454489"/>
+        <p14:creationId xmlns:p14="http://schemas.microsoft.com/office/powerpoint/2010/main" val="3804643882"/>
       </p:ext>
     </p:extLst>
   </p:cSld>
@@ -5462,7 +5470,7 @@
               <a:rPr lang="en-US" b="0" i="0" u="none" strike="noStrike" baseline="0" dirty="0" smtClean="0">
                 <a:latin typeface="Calibri"/>
               </a:rPr>
-              <a:t>How do I reset a client’s questions and answers?</a:t>
+              <a:t>What does a PDF report look like?</a:t>
             </a:r>
           </a:p>
         </p:txBody>
@@ -5482,25 +5490,16 @@
           <a:bodyPr/>
           <a:lstStyle/>
           <a:p>
+            <a:pPr marL="365760" lvl="1" indent="0">
+              <a:buNone/>
+            </a:pPr>
             <a:r>
               <a:rPr lang="en-US" dirty="0" smtClean="0"/>
-              <a:t>Remove that client’s data from the “</a:t>
-            </a:r>
-            <a:r>
-              <a:rPr lang="en-US" dirty="0" err="1" smtClean="0"/>
-              <a:t>ClientAnswer</a:t>
-            </a:r>
-            <a:r>
-              <a:rPr lang="en-US" dirty="0" smtClean="0"/>
-              <a:t>” table in the </a:t>
-            </a:r>
-            <a:r>
-              <a:rPr lang="en-US" dirty="0" err="1" smtClean="0"/>
-              <a:t>PMAMaster</a:t>
-            </a:r>
-            <a:r>
-              <a:rPr lang="en-US" dirty="0" smtClean="0"/>
-              <a:t> database</a:t>
+              <a:t>See sample</a:t>
+            </a:r>
+            <a:r>
+              <a:rPr lang="en-US" baseline="0" dirty="0" smtClean="0"/>
+              <a:t> handout</a:t>
             </a:r>
             <a:endParaRPr lang="en-US" dirty="0"/>
           </a:p>
@@ -5509,7 +5508,7 @@
     </p:spTree>
     <p:extLst>
       <p:ext uri="{BB962C8B-B14F-4D97-AF65-F5344CB8AC3E}">
-        <p14:creationId xmlns:p14="http://schemas.microsoft.com/office/powerpoint/2010/main" val="3065915539"/>
+        <p14:creationId xmlns:p14="http://schemas.microsoft.com/office/powerpoint/2010/main" val="1521662032"/>
       </p:ext>
     </p:extLst>
   </p:cSld>
@@ -5560,6 +5559,211 @@
           </a:bodyPr>
           <a:lstStyle/>
           <a:p>
+            <a:pPr lvl="0"/>
+            <a:r>
+              <a:rPr lang="en-US" dirty="0" smtClean="0"/>
+              <a:t>How do we add a new client?</a:t>
+            </a:r>
+            <a:endParaRPr lang="en-US" dirty="0"/>
+          </a:p>
+        </p:txBody>
+      </p:sp>
+      <p:sp>
+        <p:nvSpPr>
+          <p:cNvPr id="3" name="Text Placeholder 2"/>
+          <p:cNvSpPr>
+            <a:spLocks noGrp="1"/>
+          </p:cNvSpPr>
+          <p:nvPr>
+            <p:ph type="body" idx="1"/>
+          </p:nvPr>
+        </p:nvSpPr>
+        <p:spPr/>
+        <p:txBody>
+          <a:bodyPr/>
+          <a:lstStyle/>
+          <a:p>
+            <a:r>
+              <a:rPr lang="en-US" dirty="0" smtClean="0"/>
+              <a:t>Using</a:t>
+            </a:r>
+            <a:r>
+              <a:rPr lang="en-US" baseline="0" dirty="0" smtClean="0"/>
+              <a:t> the existing VB system create the username and password</a:t>
+            </a:r>
+          </a:p>
+          <a:p>
+            <a:r>
+              <a:rPr lang="en-US" baseline="0" dirty="0" smtClean="0"/>
+              <a:t>During a batch job that runs each night that data will be imported into the Web Portal system.</a:t>
+            </a:r>
+          </a:p>
+          <a:p>
+            <a:r>
+              <a:rPr lang="en-US" baseline="0" dirty="0" smtClean="0"/>
+              <a:t>Removals happen the same way</a:t>
+            </a:r>
+            <a:endParaRPr lang="en-US" dirty="0"/>
+          </a:p>
+        </p:txBody>
+      </p:sp>
+    </p:spTree>
+    <p:extLst>
+      <p:ext uri="{BB962C8B-B14F-4D97-AF65-F5344CB8AC3E}">
+        <p14:creationId xmlns:p14="http://schemas.microsoft.com/office/powerpoint/2010/main" val="366454489"/>
+      </p:ext>
+    </p:extLst>
+  </p:cSld>
+  <p:clrMapOvr>
+    <a:masterClrMapping/>
+  </p:clrMapOvr>
+  <p:timing>
+    <p:tnLst>
+      <p:par>
+        <p:cTn id="1" dur="indefinite" restart="never" nodeType="tmRoot"/>
+      </p:par>
+    </p:tnLst>
+  </p:timing>
+</p:sld>
+</file>
+
+<file path=ppt/slides/slide13.xml><?xml version="1.0" encoding="utf-8"?>
+<p:sld xmlns:a="http://schemas.openxmlformats.org/drawingml/2006/main" xmlns:r="http://schemas.openxmlformats.org/officeDocument/2006/relationships" xmlns:p="http://schemas.openxmlformats.org/presentationml/2006/main">
+  <p:cSld>
+    <p:spTree>
+      <p:nvGrpSpPr>
+        <p:cNvPr id="1" name=""/>
+        <p:cNvGrpSpPr/>
+        <p:nvPr/>
+      </p:nvGrpSpPr>
+      <p:grpSpPr>
+        <a:xfrm>
+          <a:off x="0" y="0"/>
+          <a:ext cx="0" cy="0"/>
+          <a:chOff x="0" y="0"/>
+          <a:chExt cx="0" cy="0"/>
+        </a:xfrm>
+      </p:grpSpPr>
+      <p:sp>
+        <p:nvSpPr>
+          <p:cNvPr id="2" name="Title 1"/>
+          <p:cNvSpPr>
+            <a:spLocks noGrp="1"/>
+          </p:cNvSpPr>
+          <p:nvPr>
+            <p:ph type="title"/>
+          </p:nvPr>
+        </p:nvSpPr>
+        <p:spPr/>
+        <p:txBody>
+          <a:bodyPr>
+            <a:normAutofit fontScale="90000"/>
+          </a:bodyPr>
+          <a:lstStyle/>
+          <a:p>
+            <a:pPr marR="0" rtl="0"/>
+            <a:r>
+              <a:rPr lang="en-US" b="0" i="0" u="none" strike="noStrike" baseline="0" dirty="0" smtClean="0">
+                <a:latin typeface="Calibri"/>
+              </a:rPr>
+              <a:t>How do I reset a client’s questions and answers?</a:t>
+            </a:r>
+          </a:p>
+        </p:txBody>
+      </p:sp>
+      <p:sp>
+        <p:nvSpPr>
+          <p:cNvPr id="3" name="Text Placeholder 2"/>
+          <p:cNvSpPr>
+            <a:spLocks noGrp="1"/>
+          </p:cNvSpPr>
+          <p:nvPr>
+            <p:ph type="body" idx="1"/>
+          </p:nvPr>
+        </p:nvSpPr>
+        <p:spPr/>
+        <p:txBody>
+          <a:bodyPr/>
+          <a:lstStyle/>
+          <a:p>
+            <a:r>
+              <a:rPr lang="en-US" dirty="0" smtClean="0"/>
+              <a:t>Remove that client’s data from the “</a:t>
+            </a:r>
+            <a:r>
+              <a:rPr lang="en-US" dirty="0" err="1" smtClean="0"/>
+              <a:t>ClientAnswer</a:t>
+            </a:r>
+            <a:r>
+              <a:rPr lang="en-US" dirty="0" smtClean="0"/>
+              <a:t>” table in the </a:t>
+            </a:r>
+            <a:r>
+              <a:rPr lang="en-US" dirty="0" err="1" smtClean="0"/>
+              <a:t>PMAMaster</a:t>
+            </a:r>
+            <a:r>
+              <a:rPr lang="en-US" dirty="0" smtClean="0"/>
+              <a:t> database</a:t>
+            </a:r>
+            <a:endParaRPr lang="en-US" dirty="0"/>
+          </a:p>
+        </p:txBody>
+      </p:sp>
+    </p:spTree>
+    <p:extLst>
+      <p:ext uri="{BB962C8B-B14F-4D97-AF65-F5344CB8AC3E}">
+        <p14:creationId xmlns:p14="http://schemas.microsoft.com/office/powerpoint/2010/main" val="3065915539"/>
+      </p:ext>
+    </p:extLst>
+  </p:cSld>
+  <p:clrMapOvr>
+    <a:masterClrMapping/>
+  </p:clrMapOvr>
+  <p:timing>
+    <p:tnLst>
+      <p:par>
+        <p:cTn id="1" dur="indefinite" restart="never" nodeType="tmRoot"/>
+      </p:par>
+    </p:tnLst>
+  </p:timing>
+</p:sld>
+</file>
+
+<file path=ppt/slides/slide14.xml><?xml version="1.0" encoding="utf-8"?>
+<p:sld xmlns:a="http://schemas.openxmlformats.org/drawingml/2006/main" xmlns:r="http://schemas.openxmlformats.org/officeDocument/2006/relationships" xmlns:p="http://schemas.openxmlformats.org/presentationml/2006/main">
+  <p:cSld>
+    <p:spTree>
+      <p:nvGrpSpPr>
+        <p:cNvPr id="1" name=""/>
+        <p:cNvGrpSpPr/>
+        <p:nvPr/>
+      </p:nvGrpSpPr>
+      <p:grpSpPr>
+        <a:xfrm>
+          <a:off x="0" y="0"/>
+          <a:ext cx="0" cy="0"/>
+          <a:chOff x="0" y="0"/>
+          <a:chExt cx="0" cy="0"/>
+        </a:xfrm>
+      </p:grpSpPr>
+      <p:sp>
+        <p:nvSpPr>
+          <p:cNvPr id="2" name="Title 1"/>
+          <p:cNvSpPr>
+            <a:spLocks noGrp="1"/>
+          </p:cNvSpPr>
+          <p:nvPr>
+            <p:ph type="title"/>
+          </p:nvPr>
+        </p:nvSpPr>
+        <p:spPr/>
+        <p:txBody>
+          <a:bodyPr>
+            <a:normAutofit fontScale="90000"/>
+          </a:bodyPr>
+          <a:lstStyle/>
+          <a:p>
             <a:pPr marR="0" rtl="0"/>
             <a:r>
               <a:rPr lang="en-US" b="0" i="0" u="none" strike="noStrike" baseline="0" dirty="0" smtClean="0">
@@ -5627,7 +5831,7 @@
 </p:sld>
 </file>
 
-<file path=ppt/slides/slide13.xml><?xml version="1.0" encoding="utf-8"?>
+<file path=ppt/slides/slide15.xml><?xml version="1.0" encoding="utf-8"?>
 <p:sld xmlns:a="http://schemas.openxmlformats.org/drawingml/2006/main" xmlns:r="http://schemas.openxmlformats.org/officeDocument/2006/relationships" xmlns:p="http://schemas.openxmlformats.org/presentationml/2006/main">
   <p:cSld>
     <p:spTree>
@@ -5885,19 +6089,7 @@
               <a:rPr lang="en-US" b="0" i="0" u="none" strike="noStrike" baseline="0" dirty="0" smtClean="0">
                 <a:latin typeface="Calibri"/>
               </a:rPr>
-              <a:t>What does a client see the first time they log into the </a:t>
-            </a:r>
-            <a:r>
-              <a:rPr lang="en-US" b="0" i="0" u="none" strike="noStrike" baseline="0" dirty="0" smtClean="0">
-                <a:latin typeface="Calibri"/>
-              </a:rPr>
-              <a:t>new system</a:t>
-            </a:r>
-            <a:r>
-              <a:rPr lang="en-US" b="0" i="0" u="none" strike="noStrike" baseline="0" dirty="0" smtClean="0">
-                <a:latin typeface="Calibri"/>
-              </a:rPr>
-              <a:t>?</a:t>
+              <a:t>What does a client see the first time they log into the new system?</a:t>
             </a:r>
             <a:endParaRPr lang="en-US" b="0" i="0" u="none" strike="noStrike" baseline="0" dirty="0" smtClean="0">
               <a:latin typeface="Times New Roman"/>
@@ -6274,64 +6466,57 @@
         </p:nvSpPr>
         <p:spPr/>
         <p:txBody>
-          <a:bodyPr>
-            <a:normAutofit fontScale="90000"/>
-          </a:bodyPr>
-          <a:lstStyle/>
-          <a:p>
-            <a:pPr marR="0" rtl="0"/>
-            <a:r>
-              <a:rPr lang="en-US" b="0" i="0" u="none" strike="noStrike" baseline="0" dirty="0" smtClean="0">
-                <a:latin typeface="Calibri"/>
-              </a:rPr>
-              <a:t>What happens if they do not answer the questions correctly?</a:t>
-            </a:r>
-          </a:p>
-        </p:txBody>
-      </p:sp>
-      <p:sp>
-        <p:nvSpPr>
-          <p:cNvPr id="3" name="Text Placeholder 2"/>
-          <p:cNvSpPr>
-            <a:spLocks noGrp="1"/>
-          </p:cNvSpPr>
-          <p:nvPr>
-            <p:ph type="body" idx="1"/>
-          </p:nvPr>
-        </p:nvSpPr>
-        <p:spPr/>
-        <p:txBody>
           <a:bodyPr/>
           <a:lstStyle/>
           <a:p>
-            <a:pPr marR="0" lvl="0" rtl="0"/>
-            <a:r>
-              <a:rPr lang="en-US" b="0" i="0" u="none" strike="noStrike" baseline="0" dirty="0" smtClean="0">
-                <a:latin typeface="Calibri"/>
-              </a:rPr>
-              <a:t>They will see a big red box telling them to try again.</a:t>
+            <a:r>
+              <a:rPr lang="en-US" dirty="0" smtClean="0"/>
+              <a:t>Challenge Screen</a:t>
             </a:r>
             <a:endParaRPr lang="en-US" dirty="0"/>
           </a:p>
         </p:txBody>
       </p:sp>
+      <p:pic>
+        <p:nvPicPr>
+          <p:cNvPr id="4" name="Picture 3"/>
+          <p:cNvPicPr>
+            <a:picLocks noChangeAspect="1"/>
+          </p:cNvPicPr>
+          <p:nvPr/>
+        </p:nvPicPr>
+        <p:blipFill>
+          <a:blip r:embed="rId2">
+            <a:extLst>
+              <a:ext uri="{28A0092B-C50C-407E-A947-70E740481C1C}">
+                <a14:useLocalDpi xmlns:a14="http://schemas.microsoft.com/office/drawing/2010/main" val="0"/>
+              </a:ext>
+            </a:extLst>
+          </a:blip>
+          <a:stretch>
+            <a:fillRect/>
+          </a:stretch>
+        </p:blipFill>
+        <p:spPr>
+          <a:xfrm>
+            <a:off x="2071338" y="2147708"/>
+            <a:ext cx="5001323" cy="2562583"/>
+          </a:xfrm>
+          <a:prstGeom prst="rect">
+            <a:avLst/>
+          </a:prstGeom>
+        </p:spPr>
+      </p:pic>
     </p:spTree>
     <p:extLst>
       <p:ext uri="{BB962C8B-B14F-4D97-AF65-F5344CB8AC3E}">
-        <p14:creationId xmlns:p14="http://schemas.microsoft.com/office/powerpoint/2010/main" val="3203661045"/>
+        <p14:creationId xmlns:p14="http://schemas.microsoft.com/office/powerpoint/2010/main" val="3624738893"/>
       </p:ext>
     </p:extLst>
   </p:cSld>
   <p:clrMapOvr>
     <a:masterClrMapping/>
   </p:clrMapOvr>
-  <p:timing>
-    <p:tnLst>
-      <p:par>
-        <p:cTn id="1" dur="indefinite" restart="never" nodeType="tmRoot"/>
-      </p:par>
-    </p:tnLst>
-  </p:timing>
 </p:sld>
 </file>
 
@@ -6374,7 +6559,7 @@
               <a:rPr lang="en-US" b="0" i="0" u="none" strike="noStrike" baseline="0" dirty="0" smtClean="0">
                 <a:latin typeface="Calibri"/>
               </a:rPr>
-              <a:t>If the client has access to more than one account what will they see?</a:t>
+              <a:t>What happens if they do not answer the questions correctly?</a:t>
             </a:r>
           </a:p>
         </p:txBody>
@@ -6394,9 +6579,12 @@
           <a:bodyPr/>
           <a:lstStyle/>
           <a:p>
-            <a:r>
-              <a:rPr lang="en-US" dirty="0" smtClean="0"/>
-              <a:t>A summary page, similar to the current system, that shows totals for all the related accounts.</a:t>
+            <a:pPr marR="0" lvl="0" rtl="0"/>
+            <a:r>
+              <a:rPr lang="en-US" b="0" i="0" u="none" strike="noStrike" baseline="0" dirty="0" smtClean="0">
+                <a:latin typeface="Calibri"/>
+              </a:rPr>
+              <a:t>They will see a big red box telling them to try again.</a:t>
             </a:r>
             <a:endParaRPr lang="en-US" dirty="0"/>
           </a:p>
@@ -6405,7 +6593,7 @@
     </p:spTree>
     <p:extLst>
       <p:ext uri="{BB962C8B-B14F-4D97-AF65-F5344CB8AC3E}">
-        <p14:creationId xmlns:p14="http://schemas.microsoft.com/office/powerpoint/2010/main" val="2332501740"/>
+        <p14:creationId xmlns:p14="http://schemas.microsoft.com/office/powerpoint/2010/main" val="3203661045"/>
       </p:ext>
     </p:extLst>
   </p:cSld>
@@ -6452,7 +6640,7 @@
         <p:spPr/>
         <p:txBody>
           <a:bodyPr>
-            <a:normAutofit/>
+            <a:normAutofit fontScale="90000"/>
           </a:bodyPr>
           <a:lstStyle/>
           <a:p>
@@ -6461,7 +6649,7 @@
               <a:rPr lang="en-US" b="0" i="0" u="none" strike="noStrike" baseline="0" dirty="0" smtClean="0">
                 <a:latin typeface="Calibri"/>
               </a:rPr>
-              <a:t>What does “export” mean?</a:t>
+              <a:t>If the client has access to more than one account what will they see?</a:t>
             </a:r>
           </a:p>
         </p:txBody>
@@ -6483,21 +6671,46 @@
           <a:p>
             <a:r>
               <a:rPr lang="en-US" dirty="0" smtClean="0"/>
-              <a:t>This creates a CSV file of the currently displayed account</a:t>
-            </a:r>
-          </a:p>
-          <a:p>
-            <a:r>
-              <a:rPr lang="en-US" dirty="0" smtClean="0"/>
-              <a:t>Can be imported into Excel or Google Docs</a:t>
-            </a:r>
-          </a:p>
-        </p:txBody>
-      </p:sp>
+              <a:t>A summary page, similar to the current system, that shows totals for all the related accounts.</a:t>
+            </a:r>
+            <a:endParaRPr lang="en-US" dirty="0"/>
+          </a:p>
+        </p:txBody>
+      </p:sp>
+      <p:pic>
+        <p:nvPicPr>
+          <p:cNvPr id="4" name="Picture 3"/>
+          <p:cNvPicPr>
+            <a:picLocks noChangeAspect="1"/>
+          </p:cNvPicPr>
+          <p:nvPr/>
+        </p:nvPicPr>
+        <p:blipFill>
+          <a:blip r:embed="rId2">
+            <a:extLst>
+              <a:ext uri="{28A0092B-C50C-407E-A947-70E740481C1C}">
+                <a14:useLocalDpi xmlns:a14="http://schemas.microsoft.com/office/drawing/2010/main" val="0"/>
+              </a:ext>
+            </a:extLst>
+          </a:blip>
+          <a:stretch>
+            <a:fillRect/>
+          </a:stretch>
+        </p:blipFill>
+        <p:spPr>
+          <a:xfrm>
+            <a:off x="2133600" y="3352800"/>
+            <a:ext cx="5244128" cy="2777970"/>
+          </a:xfrm>
+          <a:prstGeom prst="rect">
+            <a:avLst/>
+          </a:prstGeom>
+        </p:spPr>
+      </p:pic>
     </p:spTree>
     <p:extLst>
       <p:ext uri="{BB962C8B-B14F-4D97-AF65-F5344CB8AC3E}">
-        <p14:creationId xmlns:p14="http://schemas.microsoft.com/office/powerpoint/2010/main" val="3804643882"/>
+        <p14:creationId xmlns:p14="http://schemas.microsoft.com/office/powerpoint/2010/main" val="2332501740"/>
       </p:ext>
     </p:extLst>
   </p:cSld>
@@ -6543,68 +6756,60 @@
         </p:nvSpPr>
         <p:spPr/>
         <p:txBody>
-          <a:bodyPr>
-            <a:normAutofit fontScale="90000"/>
-          </a:bodyPr>
-          <a:lstStyle/>
-          <a:p>
-            <a:pPr marR="0" rtl="0"/>
-            <a:r>
-              <a:rPr lang="en-US" b="0" i="0" u="none" strike="noStrike" baseline="0" dirty="0" smtClean="0">
-                <a:latin typeface="Calibri"/>
-              </a:rPr>
-              <a:t>What does a PDF report look like?</a:t>
-            </a:r>
-          </a:p>
-        </p:txBody>
-      </p:sp>
-      <p:sp>
-        <p:nvSpPr>
-          <p:cNvPr id="3" name="Text Placeholder 2"/>
-          <p:cNvSpPr>
-            <a:spLocks noGrp="1"/>
-          </p:cNvSpPr>
-          <p:nvPr>
-            <p:ph type="body" idx="1"/>
-          </p:nvPr>
-        </p:nvSpPr>
-        <p:spPr/>
-        <p:txBody>
           <a:bodyPr/>
           <a:lstStyle/>
           <a:p>
-            <a:pPr marL="365760" lvl="1" indent="0">
-              <a:buNone/>
-            </a:pPr>
             <a:r>
               <a:rPr lang="en-US" dirty="0" smtClean="0"/>
-              <a:t>See sample</a:t>
-            </a:r>
-            <a:r>
-              <a:rPr lang="en-US" baseline="0" dirty="0" smtClean="0"/>
-              <a:t> handout</a:t>
-            </a:r>
-            <a:endParaRPr lang="en-US" dirty="0"/>
-          </a:p>
-        </p:txBody>
-      </p:sp>
+              <a:t>Account Detai</a:t>
+            </a:r>
+            <a:r>
+              <a:rPr lang="en-US" dirty="0"/>
+              <a:t>l</a:t>
+            </a:r>
+          </a:p>
+        </p:txBody>
+      </p:sp>
+      <p:pic>
+        <p:nvPicPr>
+          <p:cNvPr id="4" name="Picture 3"/>
+          <p:cNvPicPr>
+            <a:picLocks noChangeAspect="1"/>
+          </p:cNvPicPr>
+          <p:nvPr/>
+        </p:nvPicPr>
+        <p:blipFill>
+          <a:blip r:embed="rId2">
+            <a:extLst>
+              <a:ext uri="{28A0092B-C50C-407E-A947-70E740481C1C}">
+                <a14:useLocalDpi xmlns:a14="http://schemas.microsoft.com/office/drawing/2010/main" val="0"/>
+              </a:ext>
+            </a:extLst>
+          </a:blip>
+          <a:stretch>
+            <a:fillRect/>
+          </a:stretch>
+        </p:blipFill>
+        <p:spPr>
+          <a:xfrm>
+            <a:off x="914400" y="1752600"/>
+            <a:ext cx="7478169" cy="4477375"/>
+          </a:xfrm>
+          <a:prstGeom prst="rect">
+            <a:avLst/>
+          </a:prstGeom>
+        </p:spPr>
+      </p:pic>
     </p:spTree>
     <p:extLst>
       <p:ext uri="{BB962C8B-B14F-4D97-AF65-F5344CB8AC3E}">
-        <p14:creationId xmlns:p14="http://schemas.microsoft.com/office/powerpoint/2010/main" val="1521662032"/>
+        <p14:creationId xmlns:p14="http://schemas.microsoft.com/office/powerpoint/2010/main" val="95845766"/>
       </p:ext>
     </p:extLst>
   </p:cSld>
   <p:clrMapOvr>
     <a:masterClrMapping/>
   </p:clrMapOvr>
-  <p:timing>
-    <p:tnLst>
-      <p:par>
-        <p:cTn id="1" dur="indefinite" restart="never" nodeType="tmRoot"/>
-      </p:par>
-    </p:tnLst>
-  </p:timing>
 </p:sld>
 </file>
 

--- a/Documents/Prudent Management Associates.pptx
+++ b/Documents/Prudent Management Associates.pptx
@@ -20,6 +20,7 @@
     <p:sldId id="268" r:id="rId14"/>
     <p:sldId id="269" r:id="rId15"/>
     <p:sldId id="270" r:id="rId16"/>
+    <p:sldId id="278" r:id="rId17"/>
   </p:sldIdLst>
   <p:sldSz cx="9144000" cy="6858000" type="screen4x3"/>
   <p:notesSz cx="6858000" cy="9144000"/>
@@ -120,7 +121,7 @@
   </p:defaultTextStyle>
   <p:extLst>
     <p:ext uri="{EFAFB233-063F-42B5-8137-9DF3F51BA10A}">
-      <p15:sldGuideLst xmlns:p15="http://schemas.microsoft.com/office/powerpoint/2012/main">
+      <p15:sldGuideLst xmlns:p15="http://schemas.microsoft.com/office/powerpoint/2012/main" xmlns="">
         <p15:guide id="1" orient="horz" pos="2160">
           <p15:clr>
             <a:srgbClr val="A4A3A4"/>
@@ -764,7 +765,7 @@
           <a:p>
             <a:fld id="{1C4CEA35-B22B-45A3-930F-7132B72AF1D9}" type="datetimeFigureOut">
               <a:rPr lang="en-US" smtClean="0"/>
-              <a:t>11/29/2015</a:t>
+              <a:t>11/30/2015</a:t>
             </a:fld>
             <a:endParaRPr lang="en-US"/>
           </a:p>
@@ -943,7 +944,7 @@
           <a:p>
             <a:fld id="{1C4CEA35-B22B-45A3-930F-7132B72AF1D9}" type="datetimeFigureOut">
               <a:rPr lang="en-US" smtClean="0"/>
-              <a:t>11/29/2015</a:t>
+              <a:t>11/30/2015</a:t>
             </a:fld>
             <a:endParaRPr lang="en-US"/>
           </a:p>
@@ -1122,7 +1123,7 @@
           <a:p>
             <a:fld id="{1C4CEA35-B22B-45A3-930F-7132B72AF1D9}" type="datetimeFigureOut">
               <a:rPr lang="en-US" smtClean="0"/>
-              <a:t>11/29/2015</a:t>
+              <a:t>11/30/2015</a:t>
             </a:fld>
             <a:endParaRPr lang="en-US"/>
           </a:p>
@@ -1287,7 +1288,7 @@
           <a:p>
             <a:fld id="{7F4760C2-654D-4B2A-941F-C4CF5FC2B955}" type="datetimeFigureOut">
               <a:rPr lang="en-US" smtClean="0"/>
-              <a:t>11/29/2015</a:t>
+              <a:t>11/30/2015</a:t>
             </a:fld>
             <a:endParaRPr lang="en-US"/>
           </a:p>
@@ -1457,7 +1458,7 @@
           <a:p>
             <a:fld id="{1C4CEA35-B22B-45A3-930F-7132B72AF1D9}" type="datetimeFigureOut">
               <a:rPr lang="en-US" smtClean="0"/>
-              <a:t>11/29/2015</a:t>
+              <a:t>11/30/2015</a:t>
             </a:fld>
             <a:endParaRPr lang="en-US"/>
           </a:p>
@@ -1696,7 +1697,7 @@
           <a:p>
             <a:fld id="{1C4CEA35-B22B-45A3-930F-7132B72AF1D9}" type="datetimeFigureOut">
               <a:rPr lang="en-US" smtClean="0"/>
-              <a:t>11/29/2015</a:t>
+              <a:t>11/30/2015</a:t>
             </a:fld>
             <a:endParaRPr lang="en-US"/>
           </a:p>
@@ -1809,7 +1810,7 @@
           <a:p>
             <a:fld id="{1C4CEA35-B22B-45A3-930F-7132B72AF1D9}" type="datetimeFigureOut">
               <a:rPr lang="en-US" smtClean="0"/>
-              <a:t>11/29/2015</a:t>
+              <a:t>11/30/2015</a:t>
             </a:fld>
             <a:endParaRPr lang="en-US"/>
           </a:p>
@@ -2182,7 +2183,7 @@
           <a:p>
             <a:fld id="{1C4CEA35-B22B-45A3-930F-7132B72AF1D9}" type="datetimeFigureOut">
               <a:rPr lang="en-US" smtClean="0"/>
-              <a:t>11/29/2015</a:t>
+              <a:t>11/30/2015</a:t>
             </a:fld>
             <a:endParaRPr lang="en-US"/>
           </a:p>
@@ -2409,7 +2410,7 @@
           <a:p>
             <a:fld id="{1C4CEA35-B22B-45A3-930F-7132B72AF1D9}" type="datetimeFigureOut">
               <a:rPr lang="en-US" smtClean="0"/>
-              <a:t>11/29/2015</a:t>
+              <a:t>11/30/2015</a:t>
             </a:fld>
             <a:endParaRPr lang="en-US"/>
           </a:p>
@@ -2499,7 +2500,7 @@
           <a:p>
             <a:fld id="{1C4CEA35-B22B-45A3-930F-7132B72AF1D9}" type="datetimeFigureOut">
               <a:rPr lang="en-US" smtClean="0"/>
-              <a:t>11/29/2015</a:t>
+              <a:t>11/30/2015</a:t>
             </a:fld>
             <a:endParaRPr lang="en-US"/>
           </a:p>
@@ -3326,7 +3327,7 @@
           <a:p>
             <a:fld id="{1C4CEA35-B22B-45A3-930F-7132B72AF1D9}" type="datetimeFigureOut">
               <a:rPr lang="en-US" smtClean="0"/>
-              <a:t>11/29/2015</a:t>
+              <a:t>11/30/2015</a:t>
             </a:fld>
             <a:endParaRPr lang="en-US"/>
           </a:p>
@@ -4157,7 +4158,7 @@
           <a:p>
             <a:fld id="{1C4CEA35-B22B-45A3-930F-7132B72AF1D9}" type="datetimeFigureOut">
               <a:rPr lang="en-US" smtClean="0"/>
-              <a:t>11/29/2015</a:t>
+              <a:t>11/30/2015</a:t>
             </a:fld>
             <a:endParaRPr lang="en-US"/>
           </a:p>
@@ -4811,7 +4812,7 @@
           <a:p>
             <a:fld id="{1C4CEA35-B22B-45A3-930F-7132B72AF1D9}" type="datetimeFigureOut">
               <a:rPr lang="en-US" smtClean="0"/>
-              <a:t>11/29/2015</a:t>
+              <a:t>11/30/2015</a:t>
             </a:fld>
             <a:endParaRPr lang="en-US"/>
           </a:p>
@@ -5933,6 +5934,82 @@
 </p:sld>
 </file>
 
+<file path=ppt/slides/slide16.xml><?xml version="1.0" encoding="utf-8"?>
+<p:sld xmlns:a="http://schemas.openxmlformats.org/drawingml/2006/main" xmlns:r="http://schemas.openxmlformats.org/officeDocument/2006/relationships" xmlns:p="http://schemas.openxmlformats.org/presentationml/2006/main">
+  <p:cSld>
+    <p:spTree>
+      <p:nvGrpSpPr>
+        <p:cNvPr id="1" name=""/>
+        <p:cNvGrpSpPr/>
+        <p:nvPr/>
+      </p:nvGrpSpPr>
+      <p:grpSpPr>
+        <a:xfrm>
+          <a:off x="0" y="0"/>
+          <a:ext cx="0" cy="0"/>
+          <a:chOff x="0" y="0"/>
+          <a:chExt cx="0" cy="0"/>
+        </a:xfrm>
+      </p:grpSpPr>
+      <p:sp>
+        <p:nvSpPr>
+          <p:cNvPr id="2" name="Title 1"/>
+          <p:cNvSpPr>
+            <a:spLocks noGrp="1"/>
+          </p:cNvSpPr>
+          <p:nvPr>
+            <p:ph type="title"/>
+          </p:nvPr>
+        </p:nvSpPr>
+        <p:spPr/>
+        <p:txBody>
+          <a:bodyPr/>
+          <a:lstStyle/>
+          <a:p>
+            <a:r>
+              <a:rPr lang="en-US" dirty="0" smtClean="0"/>
+              <a:t>DEMO</a:t>
+            </a:r>
+            <a:endParaRPr lang="en-US" dirty="0"/>
+          </a:p>
+        </p:txBody>
+      </p:sp>
+      <p:sp>
+        <p:nvSpPr>
+          <p:cNvPr id="3" name="Text Placeholder 2"/>
+          <p:cNvSpPr>
+            <a:spLocks noGrp="1"/>
+          </p:cNvSpPr>
+          <p:nvPr>
+            <p:ph type="body" idx="1"/>
+          </p:nvPr>
+        </p:nvSpPr>
+        <p:spPr/>
+        <p:txBody>
+          <a:bodyPr/>
+          <a:lstStyle/>
+          <a:p>
+            <a:r>
+              <a:rPr lang="en-US" smtClean="0"/>
+              <a:t>Questions?</a:t>
+            </a:r>
+            <a:endParaRPr lang="en-US"/>
+          </a:p>
+        </p:txBody>
+      </p:sp>
+    </p:spTree>
+    <p:extLst>
+      <p:ext uri="{BB962C8B-B14F-4D97-AF65-F5344CB8AC3E}">
+        <p14:creationId xmlns:p14="http://schemas.microsoft.com/office/powerpoint/2010/main" val="436933979"/>
+      </p:ext>
+    </p:extLst>
+  </p:cSld>
+  <p:clrMapOvr>
+    <a:masterClrMapping/>
+  </p:clrMapOvr>
+</p:sld>
+</file>
+
 <file path=ppt/slides/slide2.xml><?xml version="1.0" encoding="utf-8"?>
 <p:sld xmlns:a="http://schemas.openxmlformats.org/drawingml/2006/main" xmlns:r="http://schemas.openxmlformats.org/officeDocument/2006/relationships" xmlns:p="http://schemas.openxmlformats.org/presentationml/2006/main">
   <p:cSld>
@@ -6517,6 +6594,13 @@
   <p:clrMapOvr>
     <a:masterClrMapping/>
   </p:clrMapOvr>
+  <p:timing>
+    <p:tnLst>
+      <p:par>
+        <p:cTn id="1" dur="indefinite" restart="never" nodeType="tmRoot"/>
+      </p:par>
+    </p:tnLst>
+  </p:timing>
 </p:sld>
 </file>
 
@@ -6810,6 +6894,13 @@
   <p:clrMapOvr>
     <a:masterClrMapping/>
   </p:clrMapOvr>
+  <p:timing>
+    <p:tnLst>
+      <p:par>
+        <p:cTn id="1" dur="indefinite" restart="never" nodeType="tmRoot"/>
+      </p:par>
+    </p:tnLst>
+  </p:timing>
 </p:sld>
 </file>
 
